--- a/Relatórios/TéQue Plantei - 03-12.pptx
+++ b/Relatórios/TéQue Plantei - 03-12.pptx
@@ -5,10 +5,10 @@
     <p:sldMasterId id="2147483648" r:id="rId4"/>
   </p:sldMasterIdLst>
   <p:notesMasterIdLst>
-    <p:notesMasterId r:id="rId12"/>
+    <p:notesMasterId r:id="rId13"/>
   </p:notesMasterIdLst>
   <p:handoutMasterIdLst>
-    <p:handoutMasterId r:id="rId13"/>
+    <p:handoutMasterId r:id="rId14"/>
   </p:handoutMasterIdLst>
   <p:sldIdLst>
     <p:sldId id="256" r:id="rId5"/>
@@ -16,8 +16,9 @@
     <p:sldId id="307" r:id="rId7"/>
     <p:sldId id="268" r:id="rId8"/>
     <p:sldId id="309" r:id="rId9"/>
-    <p:sldId id="310" r:id="rId10"/>
-    <p:sldId id="311" r:id="rId11"/>
+    <p:sldId id="308" r:id="rId10"/>
+    <p:sldId id="310" r:id="rId11"/>
+    <p:sldId id="311" r:id="rId12"/>
   </p:sldIdLst>
   <p:sldSz cx="12192000" cy="6858000"/>
   <p:notesSz cx="6858000" cy="9144000"/>
@@ -240,7 +241,7 @@
             <a:pPr rtl="0"/>
             <a:fld id="{7F11B757-E124-439F-9B52-E05B25527B56}" type="datetime1">
               <a:rPr lang="pt-BR" smtClean="0"/>
-              <a:t>02/12/2022</a:t>
+              <a:t>03/12/2022</a:t>
             </a:fld>
             <a:endParaRPr lang="pt-BR" dirty="0"/>
           </a:p>
@@ -422,7 +423,7 @@
             <a:fld id="{3ACAD364-7FB3-4B41-ACF7-1B639A9490F3}" type="datetime1">
               <a:rPr lang="pt-BR" smtClean="0"/>
               <a:pPr/>
-              <a:t>02/12/2022</a:t>
+              <a:t>03/12/2022</a:t>
             </a:fld>
             <a:endParaRPr lang="pt-BR" dirty="0"/>
           </a:p>
@@ -1184,7 +1185,7 @@
             <a:pPr rtl="0"/>
             <a:fld id="{8D18E0B9-48E4-499D-93B2-B07D00395BAC}" type="slidenum">
               <a:rPr lang="pt-BR" smtClean="0"/>
-              <a:t>6</a:t>
+              <a:t>7</a:t>
             </a:fld>
             <a:endParaRPr lang="pt-BR"/>
           </a:p>
@@ -1269,7 +1270,7 @@
             <a:pPr rtl="0"/>
             <a:fld id="{8D18E0B9-48E4-499D-93B2-B07D00395BAC}" type="slidenum">
               <a:rPr lang="pt-BR" smtClean="0"/>
-              <a:t>7</a:t>
+              <a:t>8</a:t>
             </a:fld>
             <a:endParaRPr lang="pt-BR"/>
           </a:p>
@@ -18840,7 +18841,7 @@
             <a:pPr rtl="0"/>
             <a:r>
               <a:rPr lang="pt-BR" dirty="0"/>
-              <a:t>Dados coletados</a:t>
+              <a:t>Dados coletados e Ferramentas Utilizadas</a:t>
             </a:r>
           </a:p>
         </p:txBody>
@@ -18864,7 +18865,7 @@
         <p:spPr>
           <a:xfrm>
             <a:off x="4516628" y="1696389"/>
-            <a:ext cx="3209544" cy="2539091"/>
+            <a:ext cx="3209544" cy="3065392"/>
           </a:xfrm>
         </p:spPr>
         <p:txBody>
@@ -18903,7 +18904,7 @@
         </p:spPr>
         <p:txBody>
           <a:bodyPr vert="horz" lIns="91440" tIns="45720" rIns="91440" bIns="45720" rtlCol="0" anchor="t">
-            <a:normAutofit/>
+            <a:normAutofit lnSpcReduction="10000"/>
           </a:bodyPr>
           <a:lstStyle/>
           <a:p>
@@ -18939,6 +18940,17 @@
             <a:r>
               <a:rPr lang="pt-BR" sz="1600" noProof="1"/>
               <a:t>o qual a planta esteja.</a:t>
+            </a:r>
+          </a:p>
+          <a:p>
+            <a:pPr rtl="0"/>
+            <a:endParaRPr lang="pt-BR" sz="1600" noProof="1"/>
+          </a:p>
+          <a:p>
+            <a:pPr rtl="0"/>
+            <a:r>
+              <a:rPr lang="pt-BR" sz="1600" noProof="1"/>
+              <a:t>Para o armazenamento dos mesmos, utilizamos o Firebase e o MyDevices Cayenne.</a:t>
             </a:r>
           </a:p>
         </p:txBody>
@@ -19370,7 +19382,7 @@
             </a:r>
             <a:r>
               <a:rPr lang="pt-BR" dirty="0"/>
-              <a:t>, mostra os dados em tempo real e adiciona gráficos de fácil uso.</a:t>
+              <a:t>, mostra os dados em tempo real e adiciona gráficos simples de fácil aplicação.</a:t>
             </a:r>
           </a:p>
         </p:txBody>
@@ -19474,191 +19486,99 @@
           <a:chExt cx="0" cy="0"/>
         </a:xfrm>
       </p:grpSpPr>
-      <p:pic>
-        <p:nvPicPr>
-          <p:cNvPr id="81" name="Espaço Reservado para Imagem 10">
-            <a:extLst>
-              <a:ext uri="{FF2B5EF4-FFF2-40B4-BE49-F238E27FC236}">
-                <a16:creationId xmlns:a16="http://schemas.microsoft.com/office/drawing/2014/main" id="{7B8040BD-D630-429D-A8B5-0210D22D55E9}"/>
-              </a:ext>
-              <a:ext uri="{C183D7F6-B498-43B3-948B-1728B52AA6E4}">
-                <adec:decorative xmlns:adec="http://schemas.microsoft.com/office/drawing/2017/decorative" val="1"/>
-              </a:ext>
-            </a:extLst>
-          </p:cNvPr>
-          <p:cNvPicPr>
-            <a:picLocks noGrp="1" noChangeAspect="1"/>
-          </p:cNvPicPr>
-          <p:nvPr>
-            <p:ph type="pic" sz="quarter" idx="23"/>
-          </p:nvPr>
-        </p:nvPicPr>
-        <p:blipFill rotWithShape="1">
-          <a:blip r:embed="rId3" cstate="screen">
-            <a:extLst>
-              <a:ext uri="{28A0092B-C50C-407E-A947-70E740481C1C}">
-                <a14:useLocalDpi xmlns:a14="http://schemas.microsoft.com/office/drawing/2010/main" val="0"/>
-              </a:ext>
-            </a:extLst>
-          </a:blip>
-          <a:srcRect t="1237" b="1237"/>
-          <a:stretch/>
-        </p:blipFill>
-        <p:spPr>
-          <a:xfrm>
-            <a:off x="1588" y="4572000"/>
-            <a:ext cx="12188825" cy="2286000"/>
-          </a:xfrm>
-        </p:spPr>
-      </p:pic>
-      <p:sp>
-        <p:nvSpPr>
-          <p:cNvPr id="2" name="Título 1">
-            <a:extLst>
-              <a:ext uri="{FF2B5EF4-FFF2-40B4-BE49-F238E27FC236}">
-                <a16:creationId xmlns:a16="http://schemas.microsoft.com/office/drawing/2014/main" id="{5CE54ABB-4929-4810-950B-2DAEA0A5BAB4}"/>
-              </a:ext>
-            </a:extLst>
-          </p:cNvPr>
-          <p:cNvSpPr>
-            <a:spLocks noGrp="1"/>
-          </p:cNvSpPr>
-          <p:nvPr>
-            <p:ph type="title"/>
-          </p:nvPr>
-        </p:nvSpPr>
-        <p:spPr>
-          <a:xfrm>
-            <a:off x="838200" y="365125"/>
-            <a:ext cx="10515600" cy="1325563"/>
-          </a:xfrm>
-        </p:spPr>
-        <p:txBody>
-          <a:bodyPr rtlCol="0"/>
+      <p:sp>
+        <p:nvSpPr>
+          <p:cNvPr id="2" name="Espaço Reservado para Data 1">
+            <a:extLst>
+              <a:ext uri="{FF2B5EF4-FFF2-40B4-BE49-F238E27FC236}">
+                <a16:creationId xmlns:a16="http://schemas.microsoft.com/office/drawing/2014/main" id="{0C5BDF1B-5AE5-6B21-441D-83FA4344AD8D}"/>
+              </a:ext>
+            </a:extLst>
+          </p:cNvPr>
+          <p:cNvSpPr>
+            <a:spLocks noGrp="1"/>
+          </p:cNvSpPr>
+          <p:nvPr>
+            <p:ph type="dt" sz="half" idx="10"/>
+          </p:nvPr>
+        </p:nvSpPr>
+        <p:spPr/>
+        <p:txBody>
+          <a:bodyPr/>
           <a:lstStyle/>
           <a:p>
             <a:pPr rtl="0"/>
             <a:r>
-              <a:rPr lang="pt-BR" dirty="0"/>
-              <a:t>A aplicação</a:t>
-            </a:r>
-          </a:p>
-        </p:txBody>
-      </p:sp>
-      <p:sp>
-        <p:nvSpPr>
-          <p:cNvPr id="114" name="Espaço Reservado para Texto 113">
-            <a:extLst>
-              <a:ext uri="{FF2B5EF4-FFF2-40B4-BE49-F238E27FC236}">
-                <a16:creationId xmlns:a16="http://schemas.microsoft.com/office/drawing/2014/main" id="{B51B89C9-6212-44BC-8654-817139EF8D59}"/>
-              </a:ext>
-            </a:extLst>
-          </p:cNvPr>
-          <p:cNvSpPr>
-            <a:spLocks noGrp="1"/>
-          </p:cNvSpPr>
-          <p:nvPr>
-            <p:ph type="body" sz="quarter" idx="24"/>
-          </p:nvPr>
-        </p:nvSpPr>
-        <p:spPr>
-          <a:xfrm>
-            <a:off x="4516628" y="1696389"/>
-            <a:ext cx="3209544" cy="2539091"/>
-          </a:xfrm>
-        </p:spPr>
-        <p:txBody>
-          <a:bodyPr rtlCol="0"/>
-          <a:lstStyle/>
-          <a:p>
-            <a:pPr rtl="0"/>
-            <a:r>
-              <a:rPr lang="pt-BR" dirty="0"/>
-              <a:t> </a:t>
-            </a:r>
-          </a:p>
-        </p:txBody>
-      </p:sp>
-      <p:sp>
-        <p:nvSpPr>
-          <p:cNvPr id="7" name="Espaço Reservado para Conteúdo 6">
-            <a:extLst>
-              <a:ext uri="{FF2B5EF4-FFF2-40B4-BE49-F238E27FC236}">
-                <a16:creationId xmlns:a16="http://schemas.microsoft.com/office/drawing/2014/main" id="{6B35F89A-6CDF-41F7-BD87-18B45BD7330B}"/>
-              </a:ext>
-            </a:extLst>
-          </p:cNvPr>
-          <p:cNvSpPr>
-            <a:spLocks noGrp="1"/>
-          </p:cNvSpPr>
-          <p:nvPr>
-            <p:ph type="body" sz="quarter" idx="25"/>
-          </p:nvPr>
-        </p:nvSpPr>
-        <p:spPr>
-          <a:xfrm>
-            <a:off x="4749800" y="2027208"/>
-            <a:ext cx="2743200" cy="2624599"/>
-          </a:xfrm>
-        </p:spPr>
-        <p:txBody>
-          <a:bodyPr vert="horz" lIns="91440" tIns="45720" rIns="91440" bIns="45720" rtlCol="0" anchor="t">
-            <a:normAutofit/>
-          </a:bodyPr>
-          <a:lstStyle/>
-          <a:p>
-            <a:pPr rtl="0"/>
-            <a:endParaRPr lang="pt-BR" sz="1600" noProof="1"/>
-          </a:p>
-          <a:p>
-            <a:pPr rtl="0"/>
-            <a:r>
-              <a:rPr lang="pt-BR" sz="1600" noProof="1"/>
-              <a:t>Nosso aplicativo possui apenas uma tela, cujo objetivo é apenas mostrar os dados que nosso banco de dados recebeu.</a:t>
-            </a:r>
-          </a:p>
-        </p:txBody>
-      </p:sp>
-      <p:sp>
-        <p:nvSpPr>
-          <p:cNvPr id="44" name="Espaço Reservado para o Número do Slide 43">
-            <a:extLst>
-              <a:ext uri="{FF2B5EF4-FFF2-40B4-BE49-F238E27FC236}">
-                <a16:creationId xmlns:a16="http://schemas.microsoft.com/office/drawing/2014/main" id="{3E790E42-CF88-4BBB-827D-12B6E23D93C1}"/>
-              </a:ext>
-            </a:extLst>
-          </p:cNvPr>
-          <p:cNvSpPr>
-            <a:spLocks noGrp="1"/>
-          </p:cNvSpPr>
-          <p:nvPr>
-            <p:ph type="sldNum" sz="quarter" idx="22"/>
-          </p:nvPr>
-        </p:nvSpPr>
-        <p:spPr>
-          <a:xfrm>
-            <a:off x="8610600" y="6356350"/>
-            <a:ext cx="2743200" cy="365125"/>
-          </a:xfrm>
-        </p:spPr>
-        <p:txBody>
-          <a:bodyPr rtlCol="0"/>
-          <a:lstStyle/>
-          <a:p>
-            <a:pPr rtl="0"/>
-            <a:fld id="{B5CEABB6-07DC-46E8-9B57-56EC44A396E5}" type="slidenum">
-              <a:rPr lang="pt-BR" smtClean="0"/>
-              <a:pPr rtl="0"/>
-              <a:t>6</a:t>
-            </a:fld>
-            <a:endParaRPr lang="pt-BR" dirty="0"/>
-          </a:p>
-        </p:txBody>
-      </p:sp>
+              <a:rPr lang="pt-BR" noProof="0"/>
+              <a:t>20XX</a:t>
+            </a:r>
+          </a:p>
+        </p:txBody>
+      </p:sp>
+      <mc:AlternateContent xmlns:mc="http://schemas.openxmlformats.org/markup-compatibility/2006">
+        <mc:Choice xmlns:we="http://schemas.microsoft.com/office/webextensions/webextension/2010/11" xmlns:pca="http://schemas.microsoft.com/office/powerpoint/2013/contentapp" Requires="we pca">
+          <p:graphicFrame>
+            <p:nvGraphicFramePr>
+              <p:cNvPr id="3" name="Suplemento 2" title="Microsoft Power BI">
+                <a:extLst>
+                  <a:ext uri="{FF2B5EF4-FFF2-40B4-BE49-F238E27FC236}">
+                    <a16:creationId xmlns:a16="http://schemas.microsoft.com/office/drawing/2014/main" id="{92B9BC88-0867-1853-5F9A-95BCEDB50D61}"/>
+                  </a:ext>
+                </a:extLst>
+              </p:cNvPr>
+              <p:cNvGraphicFramePr>
+                <a:graphicFrameLocks noGrp="1"/>
+              </p:cNvGraphicFramePr>
+              <p:nvPr/>
+            </p:nvGraphicFramePr>
+            <p:xfrm>
+              <a:off x="0" y="0"/>
+              <a:ext cx="12192000" cy="6858000"/>
+            </p:xfrm>
+            <a:graphic>
+              <a:graphicData uri="http://schemas.microsoft.com/office/webextensions/webextension/2010/11">
+                <we:webextensionref xmlns:we="http://schemas.microsoft.com/office/webextensions/webextension/2010/11" xmlns:r="http://schemas.openxmlformats.org/officeDocument/2006/relationships" r:id="rId2"/>
+              </a:graphicData>
+            </a:graphic>
+          </p:graphicFrame>
+        </mc:Choice>
+        <mc:Fallback>
+          <p:pic>
+            <p:nvPicPr>
+              <p:cNvPr id="3" name="Suplemento 2" title="Microsoft Power BI">
+                <a:extLst>
+                  <a:ext uri="{FF2B5EF4-FFF2-40B4-BE49-F238E27FC236}">
+                    <a16:creationId xmlns:a16="http://schemas.microsoft.com/office/drawing/2014/main" id="{92B9BC88-0867-1853-5F9A-95BCEDB50D61}"/>
+                  </a:ext>
+                </a:extLst>
+              </p:cNvPr>
+              <p:cNvPicPr>
+                <a:picLocks noGrp="1" noRot="1" noChangeAspect="1" noMove="1" noResize="1" noEditPoints="1" noAdjustHandles="1" noChangeArrowheads="1" noChangeShapeType="1"/>
+              </p:cNvPicPr>
+              <p:nvPr/>
+            </p:nvPicPr>
+            <p:blipFill>
+              <a:blip r:embed="rId3"/>
+              <a:stretch>
+                <a:fillRect/>
+              </a:stretch>
+            </p:blipFill>
+            <p:spPr>
+              <a:xfrm>
+                <a:off x="0" y="0"/>
+                <a:ext cx="12192000" cy="6858000"/>
+              </a:xfrm>
+              <a:prstGeom prst="rect">
+                <a:avLst/>
+              </a:prstGeom>
+            </p:spPr>
+          </p:pic>
+        </mc:Fallback>
+      </mc:AlternateContent>
     </p:spTree>
     <p:extLst>
       <p:ext uri="{BB962C8B-B14F-4D97-AF65-F5344CB8AC3E}">
-        <p14:creationId xmlns:p14="http://schemas.microsoft.com/office/powerpoint/2010/main" val="489228562"/>
+        <p14:creationId xmlns:p14="http://schemas.microsoft.com/office/powerpoint/2010/main" val="3651839363"/>
       </p:ext>
     </p:extLst>
   </p:cSld>
@@ -19685,46 +19605,15 @@
           <a:chExt cx="0" cy="0"/>
         </a:xfrm>
       </p:grpSpPr>
-      <p:sp>
-        <p:nvSpPr>
-          <p:cNvPr id="4" name="Título 3">
-            <a:extLst>
-              <a:ext uri="{FF2B5EF4-FFF2-40B4-BE49-F238E27FC236}">
-                <a16:creationId xmlns:a16="http://schemas.microsoft.com/office/drawing/2014/main" id="{FAD2AE59-5630-4D5C-83A9-4CDEF4D7DCFB}"/>
-              </a:ext>
-            </a:extLst>
-          </p:cNvPr>
-          <p:cNvSpPr>
-            <a:spLocks noGrp="1"/>
-          </p:cNvSpPr>
-          <p:nvPr>
-            <p:ph type="title"/>
-          </p:nvPr>
-        </p:nvSpPr>
-        <p:spPr>
-          <a:xfrm>
-            <a:off x="1162072" y="365125"/>
-            <a:ext cx="10193315" cy="1325563"/>
-          </a:xfrm>
-        </p:spPr>
-        <p:txBody>
-          <a:bodyPr rtlCol="0"/>
-          <a:lstStyle/>
-          <a:p>
-            <a:pPr algn="ctr" rtl="0"/>
-            <a:r>
-              <a:rPr lang="pt-BR" dirty="0"/>
-              <a:t>O aplicativo</a:t>
-            </a:r>
-          </a:p>
-        </p:txBody>
-      </p:sp>
       <p:pic>
         <p:nvPicPr>
-          <p:cNvPr id="24" name="Espaço Reservado para Imagem 23" descr="foto de vários suculentos">
-            <a:extLst>
-              <a:ext uri="{FF2B5EF4-FFF2-40B4-BE49-F238E27FC236}">
-                <a16:creationId xmlns:a16="http://schemas.microsoft.com/office/drawing/2014/main" id="{147E9A8B-CB18-4B11-85BF-ECE4A7B2F04A}"/>
+          <p:cNvPr id="81" name="Espaço Reservado para Imagem 10">
+            <a:extLst>
+              <a:ext uri="{FF2B5EF4-FFF2-40B4-BE49-F238E27FC236}">
+                <a16:creationId xmlns:a16="http://schemas.microsoft.com/office/drawing/2014/main" id="{7B8040BD-D630-429D-A8B5-0210D22D55E9}"/>
+              </a:ext>
+              <a:ext uri="{C183D7F6-B498-43B3-948B-1728B52AA6E4}">
+                <adec:decorative xmlns:adec="http://schemas.microsoft.com/office/drawing/2017/decorative" val="1"/>
               </a:ext>
             </a:extLst>
           </p:cNvPr>
@@ -19732,7 +19621,7 @@
             <a:picLocks noGrp="1" noChangeAspect="1"/>
           </p:cNvPicPr>
           <p:nvPr>
-            <p:ph type="pic" sz="quarter" idx="13"/>
+            <p:ph type="pic" sz="quarter" idx="23"/>
           </p:nvPr>
         </p:nvPicPr>
         <p:blipFill rotWithShape="1">
@@ -19743,30 +19632,138 @@
               </a:ext>
             </a:extLst>
           </a:blip>
-          <a:srcRect/>
+          <a:srcRect t="1237" b="1237"/>
           <a:stretch/>
         </p:blipFill>
         <p:spPr>
           <a:xfrm>
-            <a:off x="1524" y="5943600"/>
-            <a:ext cx="12188952" cy="914400"/>
+            <a:off x="1588" y="4572000"/>
+            <a:ext cx="12188825" cy="2286000"/>
           </a:xfrm>
         </p:spPr>
       </p:pic>
       <p:sp>
         <p:nvSpPr>
-          <p:cNvPr id="50" name="Espaço Reservado para o Número do Slide 49">
-            <a:extLst>
-              <a:ext uri="{FF2B5EF4-FFF2-40B4-BE49-F238E27FC236}">
-                <a16:creationId xmlns:a16="http://schemas.microsoft.com/office/drawing/2014/main" id="{E7A3E10B-48DC-43B8-A29D-5258A6BC272F}"/>
-              </a:ext>
-            </a:extLst>
-          </p:cNvPr>
-          <p:cNvSpPr>
-            <a:spLocks noGrp="1"/>
-          </p:cNvSpPr>
-          <p:nvPr>
-            <p:ph type="sldNum" sz="quarter" idx="12"/>
+          <p:cNvPr id="2" name="Título 1">
+            <a:extLst>
+              <a:ext uri="{FF2B5EF4-FFF2-40B4-BE49-F238E27FC236}">
+                <a16:creationId xmlns:a16="http://schemas.microsoft.com/office/drawing/2014/main" id="{5CE54ABB-4929-4810-950B-2DAEA0A5BAB4}"/>
+              </a:ext>
+            </a:extLst>
+          </p:cNvPr>
+          <p:cNvSpPr>
+            <a:spLocks noGrp="1"/>
+          </p:cNvSpPr>
+          <p:nvPr>
+            <p:ph type="title"/>
+          </p:nvPr>
+        </p:nvSpPr>
+        <p:spPr>
+          <a:xfrm>
+            <a:off x="838200" y="365125"/>
+            <a:ext cx="10515600" cy="1325563"/>
+          </a:xfrm>
+        </p:spPr>
+        <p:txBody>
+          <a:bodyPr rtlCol="0"/>
+          <a:lstStyle/>
+          <a:p>
+            <a:pPr rtl="0"/>
+            <a:r>
+              <a:rPr lang="pt-BR" dirty="0"/>
+              <a:t>A aplicação</a:t>
+            </a:r>
+          </a:p>
+        </p:txBody>
+      </p:sp>
+      <p:sp>
+        <p:nvSpPr>
+          <p:cNvPr id="114" name="Espaço Reservado para Texto 113">
+            <a:extLst>
+              <a:ext uri="{FF2B5EF4-FFF2-40B4-BE49-F238E27FC236}">
+                <a16:creationId xmlns:a16="http://schemas.microsoft.com/office/drawing/2014/main" id="{B51B89C9-6212-44BC-8654-817139EF8D59}"/>
+              </a:ext>
+            </a:extLst>
+          </p:cNvPr>
+          <p:cNvSpPr>
+            <a:spLocks noGrp="1"/>
+          </p:cNvSpPr>
+          <p:nvPr>
+            <p:ph type="body" sz="quarter" idx="24"/>
+          </p:nvPr>
+        </p:nvSpPr>
+        <p:spPr>
+          <a:xfrm>
+            <a:off x="4516628" y="1696389"/>
+            <a:ext cx="3209544" cy="2539091"/>
+          </a:xfrm>
+        </p:spPr>
+        <p:txBody>
+          <a:bodyPr rtlCol="0"/>
+          <a:lstStyle/>
+          <a:p>
+            <a:pPr rtl="0"/>
+            <a:r>
+              <a:rPr lang="pt-BR" dirty="0"/>
+              <a:t> </a:t>
+            </a:r>
+          </a:p>
+        </p:txBody>
+      </p:sp>
+      <p:sp>
+        <p:nvSpPr>
+          <p:cNvPr id="7" name="Espaço Reservado para Conteúdo 6">
+            <a:extLst>
+              <a:ext uri="{FF2B5EF4-FFF2-40B4-BE49-F238E27FC236}">
+                <a16:creationId xmlns:a16="http://schemas.microsoft.com/office/drawing/2014/main" id="{6B35F89A-6CDF-41F7-BD87-18B45BD7330B}"/>
+              </a:ext>
+            </a:extLst>
+          </p:cNvPr>
+          <p:cNvSpPr>
+            <a:spLocks noGrp="1"/>
+          </p:cNvSpPr>
+          <p:nvPr>
+            <p:ph type="body" sz="quarter" idx="25"/>
+          </p:nvPr>
+        </p:nvSpPr>
+        <p:spPr>
+          <a:xfrm>
+            <a:off x="4749800" y="2027208"/>
+            <a:ext cx="2743200" cy="2624599"/>
+          </a:xfrm>
+        </p:spPr>
+        <p:txBody>
+          <a:bodyPr vert="horz" lIns="91440" tIns="45720" rIns="91440" bIns="45720" rtlCol="0" anchor="t">
+            <a:normAutofit/>
+          </a:bodyPr>
+          <a:lstStyle/>
+          <a:p>
+            <a:pPr rtl="0"/>
+            <a:endParaRPr lang="pt-BR" sz="1600" noProof="1"/>
+          </a:p>
+          <a:p>
+            <a:pPr rtl="0"/>
+            <a:r>
+              <a:rPr lang="pt-BR" sz="1600" noProof="1"/>
+              <a:t>Nosso aplicativo possui apenas uma tela, cujo objetivo é apenas mostrar os dados que nosso banco de dados recebeu.</a:t>
+            </a:r>
+          </a:p>
+        </p:txBody>
+      </p:sp>
+      <p:sp>
+        <p:nvSpPr>
+          <p:cNvPr id="44" name="Espaço Reservado para o Número do Slide 43">
+            <a:extLst>
+              <a:ext uri="{FF2B5EF4-FFF2-40B4-BE49-F238E27FC236}">
+                <a16:creationId xmlns:a16="http://schemas.microsoft.com/office/drawing/2014/main" id="{3E790E42-CF88-4BBB-827D-12B6E23D93C1}"/>
+              </a:ext>
+            </a:extLst>
+          </p:cNvPr>
+          <p:cNvSpPr>
+            <a:spLocks noGrp="1"/>
+          </p:cNvSpPr>
+          <p:nvPr>
+            <p:ph type="sldNum" sz="quarter" idx="22"/>
           </p:nvPr>
         </p:nvSpPr>
         <p:spPr>
@@ -19784,6 +19781,140 @@
               <a:rPr lang="pt-BR" smtClean="0"/>
               <a:pPr rtl="0"/>
               <a:t>7</a:t>
+            </a:fld>
+            <a:endParaRPr lang="pt-BR" dirty="0"/>
+          </a:p>
+        </p:txBody>
+      </p:sp>
+    </p:spTree>
+    <p:extLst>
+      <p:ext uri="{BB962C8B-B14F-4D97-AF65-F5344CB8AC3E}">
+        <p14:creationId xmlns:p14="http://schemas.microsoft.com/office/powerpoint/2010/main" val="489228562"/>
+      </p:ext>
+    </p:extLst>
+  </p:cSld>
+  <p:clrMapOvr>
+    <a:masterClrMapping/>
+  </p:clrMapOvr>
+</p:sld>
+</file>
+
+<file path=ppt/slides/slide8.xml><?xml version="1.0" encoding="utf-8"?>
+<p:sld xmlns:a="http://schemas.openxmlformats.org/drawingml/2006/main" xmlns:r="http://schemas.openxmlformats.org/officeDocument/2006/relationships" xmlns:p="http://schemas.openxmlformats.org/presentationml/2006/main">
+  <p:cSld>
+    <p:spTree>
+      <p:nvGrpSpPr>
+        <p:cNvPr id="1" name=""/>
+        <p:cNvGrpSpPr/>
+        <p:nvPr/>
+      </p:nvGrpSpPr>
+      <p:grpSpPr>
+        <a:xfrm>
+          <a:off x="0" y="0"/>
+          <a:ext cx="0" cy="0"/>
+          <a:chOff x="0" y="0"/>
+          <a:chExt cx="0" cy="0"/>
+        </a:xfrm>
+      </p:grpSpPr>
+      <p:sp>
+        <p:nvSpPr>
+          <p:cNvPr id="4" name="Título 3">
+            <a:extLst>
+              <a:ext uri="{FF2B5EF4-FFF2-40B4-BE49-F238E27FC236}">
+                <a16:creationId xmlns:a16="http://schemas.microsoft.com/office/drawing/2014/main" id="{FAD2AE59-5630-4D5C-83A9-4CDEF4D7DCFB}"/>
+              </a:ext>
+            </a:extLst>
+          </p:cNvPr>
+          <p:cNvSpPr>
+            <a:spLocks noGrp="1"/>
+          </p:cNvSpPr>
+          <p:nvPr>
+            <p:ph type="title"/>
+          </p:nvPr>
+        </p:nvSpPr>
+        <p:spPr>
+          <a:xfrm>
+            <a:off x="1162072" y="365125"/>
+            <a:ext cx="10193315" cy="1325563"/>
+          </a:xfrm>
+        </p:spPr>
+        <p:txBody>
+          <a:bodyPr rtlCol="0"/>
+          <a:lstStyle/>
+          <a:p>
+            <a:pPr algn="ctr" rtl="0"/>
+            <a:r>
+              <a:rPr lang="pt-BR" dirty="0"/>
+              <a:t>O aplicativo</a:t>
+            </a:r>
+          </a:p>
+        </p:txBody>
+      </p:sp>
+      <p:pic>
+        <p:nvPicPr>
+          <p:cNvPr id="24" name="Espaço Reservado para Imagem 23" descr="foto de vários suculentos">
+            <a:extLst>
+              <a:ext uri="{FF2B5EF4-FFF2-40B4-BE49-F238E27FC236}">
+                <a16:creationId xmlns:a16="http://schemas.microsoft.com/office/drawing/2014/main" id="{147E9A8B-CB18-4B11-85BF-ECE4A7B2F04A}"/>
+              </a:ext>
+            </a:extLst>
+          </p:cNvPr>
+          <p:cNvPicPr>
+            <a:picLocks noGrp="1" noChangeAspect="1"/>
+          </p:cNvPicPr>
+          <p:nvPr>
+            <p:ph type="pic" sz="quarter" idx="13"/>
+          </p:nvPr>
+        </p:nvPicPr>
+        <p:blipFill rotWithShape="1">
+          <a:blip r:embed="rId3" cstate="screen">
+            <a:extLst>
+              <a:ext uri="{28A0092B-C50C-407E-A947-70E740481C1C}">
+                <a14:useLocalDpi xmlns:a14="http://schemas.microsoft.com/office/drawing/2010/main" val="0"/>
+              </a:ext>
+            </a:extLst>
+          </a:blip>
+          <a:srcRect/>
+          <a:stretch/>
+        </p:blipFill>
+        <p:spPr>
+          <a:xfrm>
+            <a:off x="1524" y="5943600"/>
+            <a:ext cx="12188952" cy="914400"/>
+          </a:xfrm>
+        </p:spPr>
+      </p:pic>
+      <p:sp>
+        <p:nvSpPr>
+          <p:cNvPr id="50" name="Espaço Reservado para o Número do Slide 49">
+            <a:extLst>
+              <a:ext uri="{FF2B5EF4-FFF2-40B4-BE49-F238E27FC236}">
+                <a16:creationId xmlns:a16="http://schemas.microsoft.com/office/drawing/2014/main" id="{E7A3E10B-48DC-43B8-A29D-5258A6BC272F}"/>
+              </a:ext>
+            </a:extLst>
+          </p:cNvPr>
+          <p:cNvSpPr>
+            <a:spLocks noGrp="1"/>
+          </p:cNvSpPr>
+          <p:nvPr>
+            <p:ph type="sldNum" sz="quarter" idx="12"/>
+          </p:nvPr>
+        </p:nvSpPr>
+        <p:spPr>
+          <a:xfrm>
+            <a:off x="8610600" y="6356350"/>
+            <a:ext cx="2743200" cy="365125"/>
+          </a:xfrm>
+        </p:spPr>
+        <p:txBody>
+          <a:bodyPr rtlCol="0"/>
+          <a:lstStyle/>
+          <a:p>
+            <a:pPr rtl="0"/>
+            <a:fld id="{B5CEABB6-07DC-46E8-9B57-56EC44A396E5}" type="slidenum">
+              <a:rPr lang="pt-BR" smtClean="0"/>
+              <a:pPr rtl="0"/>
+              <a:t>8</a:t>
             </a:fld>
             <a:endParaRPr lang="pt-BR" dirty="0"/>
           </a:p>
@@ -20623,7 +20754,44 @@
 </a:theme>
 </file>
 
+<file path=ppt/webextensions/webextension1.xml><?xml version="1.0" encoding="utf-8"?>
+<we:webextension xmlns:we="http://schemas.microsoft.com/office/webextensions/webextension/2010/11" id="{AE8E0E62-D85E-442E-827B-3FC3425EE3BA}">
+  <we:reference id="wa200003233" version="2.0.0.3" store="pt-BR" storeType="OMEX"/>
+  <we:alternateReferences>
+    <we:reference id="WA200003233" version="2.0.0.3" store="WA200003233" storeType="OMEX"/>
+  </we:alternateReferences>
+  <we:properties>
+    <we:property name="backgroundColor" value="&quot;rgb(51,51,51)&quot;"/>
+    <we:property name="bookmark" value="&quot;H4sIAAAAAAAAA+1ZzXLbNhB+FQ8vaWc0HYIgSNA3WT/TTt2Ox07TQ8eHJbCkmVAEB6ScqB49TQ99hx6bFytAUo7iKNGP/2RNfTKABbC73y643+rGkVlV5jD7FSboHDs/FTITIJU+Ik7PKdrJE6XeTUC/87jPIOCBy6iIAu764HpGSpV1porKOb5xatAp1m+yagq5PdFM/nHZcyDPzyC1owTyCntOibpSBeTZn9gKm6VaT3Hec/BDmSsN9siLGmq0x14bcTM2qpAfqLkRRJ1d4wWKup09x1LpejHuOVX7X6PS52v2sObCgSpqyApzsJ2LOZUJE1QCCYSfiNgNhZ1PsrxeiMxGH0pt7DFWzkrrlr68hkKgNBe2clbszUJVr+eMtZo0GzrnXhvJUVFn9cwMznIwGpiZ181p7tz46fcr1NjsMOrJbKHxQE1K0Fl1d/RzVkjnmPScU0xqu9RPU40pLPZZhbGqbk/Jp5MV8xdqqgWeY/Jp0Og6N2CcaWWgavT9bZJJkHgk1dGFylWzPJ4WnVuJHZ5n6VWjx2lmvAF54w/Ip/Y86p6aLebvssV4SYH7a33XqdurfqXeDzSacJMWit4qjPHB9frRxLnz5e3WQ1VWpHmXG5+Ctg0VB4zs4Ap0bZMvfmtC20ao2aW0RH0yayJomOlFzJtQHO2Zx220t1lsdr1dSteB8UKq9KzLggdz8uXczkPIKZEMuGSSRy730bxgW+T5Ewfua5yYf6Geajj67t9/Bt/fcWS4Q/AI0HJv42YDgy2SPSeMOSeRF1DO4yCKE5lAsMdALuVDXx86iGuMbQFklDPBETgNCUfEkHnRHgO4LjCDQwNxA4NbICOXuZQTTpD7vohMYRhsVTrtUSYeHIhrjG0BdKMkkC4EIfV9EieJeUz5ywBwRWlxyI/panO7LIw4CBellEEYMAEsxPDFgnjIebja3O6bGEc+iwIw9WkQihi5pOu/iV3BbFh7/igkZQj1TiSlyjNhKPEyJM4EddoQemkPtUaU7UUZtutKNsvY2LiSR746wfo9YvFqwSa/jjO5i/MDuuOr/KXRs3ow9tJd17IX6gGHwGfUTxj1PFMBk3j3JH9EBrsBf35+Crp1ROdZgf/T7l1od0wRExG5Ikgi4ns+AL9HifELQjXVeD/9BkprzOHj3x//Urs8b/f53jyGAe1LyF2WcJCEEfCET4B53N/G0Zv1Mcsd+5h92668ue1WfrutSXtLgtt0LstNsuJbrcqoa1UuSW3cgX1iVT3WdVVX9VUf60XZp17pE93+JZHa9rmQ55h2lzffkPFoOB7R8WgwYmM/9Px+NOqPyZCM3SFzoz79/G2xNyZhHFEpfZeHRLBYuH7I9rjEX9dA2K3t/qyU+eX9UrD/JcsGYfIsRUuTcquoi5rWVQkCz6DAFRTGYA+FRLmGxjS/g95SmPn8P8670wqIHQAA&quot;"/>
+    <we:property name="creatorSessionId" value="&quot;a27bc218-9833-465d-8141-59b3a96f985a&quot;"/>
+    <we:property name="creatorTenantId" value="&quot;cf72e2bd-7a2b-4783-bdeb-39d57b07f76f&quot;"/>
+    <we:property name="creatorUserId" value="&quot;10032001127C1D24&quot;"/>
+    <we:property name="datasetId" value="&quot;99f84c1d-4239-490a-bc5a-e0703d5598af&quot;"/>
+    <we:property name="embedUrl" value="&quot;/reportEmbed?reportId=5f423c9c-6522-4809-b9c7-127e653f42aa&amp;config=eyJjbHVzdGVyVXJsIjoiaHR0cHM6Ly9XQUJJLVNPVVRILUNFTlRSQUwtVVMtQi1QUklNQVJZLXJlZGlyZWN0LmFuYWx5c2lzLndpbmRvd3MubmV0IiwiZW1iZWRGZWF0dXJlcyI6eyJtb2Rlcm5FbWJlZCI6dHJ1ZSwidXNhZ2VNZXRyaWNzVk5leHQiOnRydWUsInNraXBRdWVyeURhdGFTYWFTRW1iZWQiOnRydWUsInNraXBRdWVyeURhdGFQYWFTRW1iZWQiOnRydWUsInNraXBRdWVyeURhdGFFeHBvcnRUbyI6dHJ1ZX19&amp;disableSensitivityBanner=true&quot;"/>
+    <we:property name="initialStateBookmark" value="&quot;H4sIAAAAAAAAA+1ZW2/bNhT+K4FeugHCoBslKm+OL9iQpA2crnsYguGIPFJYyKJAyWm9wL9mD/sPe1z/2EhJTt3UrS+5OcH8ZF7P5TuH5Hd0bXFRlTnMXsMErUPrl4ILBlyqA9eyraLtPHrz5vi0Nz7+43XvdKi7ZVkLWVTW4bVVg8qwfieqKeRmC935+4VtQZ6fQWZaKeQV2laJqpIF5OJPbCfroVpNcW5b+LHMpQKz5XkNNZptr/R03day3Z98LRFYLa7wHFnd9o6xlKpetG2rav81Kn05ZjZrBPZlUYMo9MamL6E+TwnzObghC1KWOBEz/anI68WU2fBjqbQ92spZafzQ41dQMORaYDvPTHu3UNWzrZGSk2ZB580rPXNY1KKe6cZZDloD3fO22c2Zaz/9dokKmxVaPS4WGvflpAQlqtutY1Fw69C1rRNMazPUyzKFGSzWGYWxqm52yaeTFf3ncqoYjjH93Gh0nWswzpTUUDX6/joRHDgecHlwLnPZDI+mRedW1zTHIrts9DgR2huQN/6AfGr2850TvUT/LlqMlxS4u9a3nbq96pfyQ1+hDjduoLBXYYz3rtfPOs6tr6UbD1WiyPIuNz4HbRsqFui5/UtQtUm+5L0ObROhepVUHNXRrImggVCLmNehONwzj5tob7NYr3q/lK597YVMqlmXBffm5Iu56YeI+i4nQDnhNHZogI63TZ4/cuC+xYn+C/VUwcEP//7T//GWI6MdgoeB4nsbNxsYbJC0rSih1I290Kc0CeMk5SmEewzkUj701EsHcY2xLYDEp4RRBOpHLkXEiHjxHgO4LjDDlwbiBga3QMYOcXzqUhdpELCYxWG41dNpjzLxxYG4xtgWQCdOQ+5AGPlB4CZpqg9T+jwAXPG0eMmH6WpzuyyMKTAHOedhFBIGJMLo2YL4kvNwtbndnZjEAYlD0O/TMGIJUu6vvxO7B7Om6fmDkJQB1DuRlCoXTFPiZUisCaqsIfTcbGqMKFtBAttxyZthbGxcySNfHWH9AbF4tWCT38bZvY3zPbrjm/yl0bO6N/bSiWvZi+8BhTAgfpAS3/P0C9hNdk/yB2SwG/Dnp6egW0d0Lgr8n3bvQrsTHzFlscPCNHYDLwCgd3hinCJUU4V3068vlcIcPv396S+5y/F2l/vmIQxoT0LqkJQCd4kLHgtcIB4NtnH0ZnXMcsc6Zs+UK69vqpXfL2v69tLEbSqX5SZZ8b1SZdyVKpdmbVyBfWRVPdJVVVfVVR/qRNmnWukjSf+aSG17XPAxZp3w5g4ZDQejoT8a9odkFERe0IuHvZE7cEfOgDhxz//ybDES0yiJfc4Dh0YuIwlzgojs8RN/XQFht7L7k1Lm5/elYP+fLBuEyZM8WpqUW0Vd5LSuSmB4BgWuoDAaeyg48jU0pvkOajVCNGAiydfxHvN19IbyzOf/Aag9eIupHQAA&quot;"/>
+    <we:property name="isFiltersActionButtonVisible" value="true"/>
+    <we:property name="isFooterCollapsed" value="true"/>
+    <we:property name="pageDisplayName" value="&quot;Página 1&quot;"/>
+    <we:property name="reportEmbeddedTime" value="&quot;2022-11-17T00:52:14.140Z&quot;"/>
+    <we:property name="reportName" value="&quot;Relatório - Coleta de Dados - TéQue Plantei&quot;"/>
+    <we:property name="reportState" value="&quot;CONNECTED&quot;"/>
+    <we:property name="reportUrl" value="&quot;/links/AJlG8NcdSk?ctid=cf72e2bd-7a2b-4783-bdeb-39d57b07f76f&amp;pbi_source=linkShare&quot;"/>
+  </we:properties>
+  <we:bindings/>
+  <we:snapshot xmlns:r="http://schemas.openxmlformats.org/officeDocument/2006/relationships" r:embed="rId1"/>
+</we:webextension>
+</file>
+
 <file path=customXml/item1.xml><?xml version="1.0" encoding="utf-8"?>
+<?mso-contentType ?>
+<FormTemplates xmlns="http://schemas.microsoft.com/sharepoint/v3/contenttype/forms">
+  <Display>DocumentLibraryForm</Display>
+  <Edit>DocumentLibraryForm</Edit>
+  <New>DocumentLibraryForm</New>
+</FormTemplates>
+</file>
+
+<file path=customXml/item2.xml><?xml version="1.0" encoding="utf-8"?>
 <p:properties xmlns:p="http://schemas.microsoft.com/office/2006/metadata/properties" xmlns:xsi="http://www.w3.org/2001/XMLSchema-instance" xmlns:pc="http://schemas.microsoft.com/office/infopath/2007/PartnerControls">
   <documentManagement>
     <Status xmlns="71af3243-3dd4-4a8d-8c0d-dd76da1f02a5">Not started</Status>
@@ -20640,15 +20808,6 @@
     <MediaServiceKeyPoints xmlns="71af3243-3dd4-4a8d-8c0d-dd76da1f02a5" xsi:nil="true"/>
   </documentManagement>
 </p:properties>
-</file>
-
-<file path=customXml/item2.xml><?xml version="1.0" encoding="utf-8"?>
-<?mso-contentType ?>
-<FormTemplates xmlns="http://schemas.microsoft.com/sharepoint/v3/contenttype/forms">
-  <Display>DocumentLibraryForm</Display>
-  <Edit>DocumentLibraryForm</Edit>
-  <New>DocumentLibraryForm</New>
-</FormTemplates>
 </file>
 
 <file path=customXml/item3.xml><?xml version="1.0" encoding="utf-8"?>
@@ -20928,6 +21087,14 @@
 </file>
 
 <file path=customXml/itemProps1.xml><?xml version="1.0" encoding="utf-8"?>
+<ds:datastoreItem xmlns:ds="http://schemas.openxmlformats.org/officeDocument/2006/customXml" ds:itemID="{E0C88140-B977-44ED-8877-83D5BCE76393}">
+  <ds:schemaRefs>
+    <ds:schemaRef ds:uri="http://schemas.microsoft.com/sharepoint/v3/contenttype/forms"/>
+  </ds:schemaRefs>
+</ds:datastoreItem>
+</file>
+
+<file path=customXml/itemProps2.xml><?xml version="1.0" encoding="utf-8"?>
 <ds:datastoreItem xmlns:ds="http://schemas.openxmlformats.org/officeDocument/2006/customXml" ds:itemID="{DBE6AE0A-D4B0-4A5B-9359-3C20E0AE6F61}">
   <ds:schemaRefs>
     <ds:schemaRef ds:uri="http://schemas.microsoft.com/office/2006/metadata/properties"/>
@@ -20935,14 +21102,6 @@
     <ds:schemaRef ds:uri="71af3243-3dd4-4a8d-8c0d-dd76da1f02a5"/>
     <ds:schemaRef ds:uri="http://schemas.microsoft.com/sharepoint/v3"/>
     <ds:schemaRef ds:uri="230e9df3-be65-4c73-a93b-d1236ebd677e"/>
-  </ds:schemaRefs>
-</ds:datastoreItem>
-</file>
-
-<file path=customXml/itemProps2.xml><?xml version="1.0" encoding="utf-8"?>
-<ds:datastoreItem xmlns:ds="http://schemas.openxmlformats.org/officeDocument/2006/customXml" ds:itemID="{E0C88140-B977-44ED-8877-83D5BCE76393}">
-  <ds:schemaRefs>
-    <ds:schemaRef ds:uri="http://schemas.microsoft.com/sharepoint/v3/contenttype/forms"/>
   </ds:schemaRefs>
 </ds:datastoreItem>
 </file>
